--- a/포탈 ppt.pptx
+++ b/포탈 ppt.pptx
@@ -5,16 +5,15 @@
     <p:sldMasterId id="2147483648" r:id="rId1"/>
   </p:sldMasterIdLst>
   <p:notesMasterIdLst>
-    <p:notesMasterId r:id="rId9"/>
+    <p:notesMasterId r:id="rId8"/>
   </p:notesMasterIdLst>
   <p:sldIdLst>
     <p:sldId id="256" r:id="rId2"/>
-    <p:sldId id="257" r:id="rId3"/>
-    <p:sldId id="258" r:id="rId4"/>
-    <p:sldId id="269" r:id="rId5"/>
-    <p:sldId id="270" r:id="rId6"/>
-    <p:sldId id="272" r:id="rId7"/>
-    <p:sldId id="271" r:id="rId8"/>
+    <p:sldId id="258" r:id="rId3"/>
+    <p:sldId id="269" r:id="rId4"/>
+    <p:sldId id="270" r:id="rId5"/>
+    <p:sldId id="272" r:id="rId6"/>
+    <p:sldId id="271" r:id="rId7"/>
   </p:sldIdLst>
   <p:sldSz cx="18288000" cy="10287000"/>
   <p:notesSz cx="10287000" cy="18288000"/>
@@ -214,7 +213,7 @@
           <a:p>
             <a:fld id="{DC934524-6E8A-4FFB-AAF7-B73849845E85}" type="datetimeFigureOut">
               <a:rPr lang="ko-KR" altLang="en-US" smtClean="0"/>
-              <a:t>2021-12-13</a:t>
+              <a:t>2021-12-14</a:t>
             </a:fld>
             <a:endParaRPr lang="ko-KR" altLang="en-US"/>
           </a:p>
@@ -546,7 +545,7 @@
           <a:p>
             <a:fld id="{17C7C6FA-35DF-44C7-8487-DB21C5F75A51}" type="slidenum">
               <a:rPr lang="ko-KR" altLang="en-US" smtClean="0"/>
-              <a:t>4</a:t>
+              <a:t>3</a:t>
             </a:fld>
             <a:endParaRPr lang="ko-KR" altLang="en-US"/>
           </a:p>
@@ -744,7 +743,7 @@
           <a:p>
             <a:fld id="{F8166F1F-CE9B-4651-A6AA-CD717754106B}" type="datetimeFigureOut">
               <a:rPr lang="en-US" smtClean="0"/>
-              <a:t>12/13/2021</a:t>
+              <a:t>12/14/2021</a:t>
             </a:fld>
             <a:endParaRPr lang="en-US"/>
           </a:p>
@@ -907,7 +906,7 @@
           <a:p>
             <a:fld id="{A76116CE-C4A3-4A05-B2D7-7C2E9A889C0F}" type="datetimeFigureOut">
               <a:rPr lang="en-US" smtClean="0"/>
-              <a:t>12/13/2021</a:t>
+              <a:t>12/14/2021</a:t>
             </a:fld>
             <a:endParaRPr lang="en-US"/>
           </a:p>
@@ -1080,7 +1079,7 @@
           <a:p>
             <a:fld id="{A76116CE-C4A3-4A05-B2D7-7C2E9A889C0F}" type="datetimeFigureOut">
               <a:rPr lang="en-US" smtClean="0"/>
-              <a:t>12/13/2021</a:t>
+              <a:t>12/14/2021</a:t>
             </a:fld>
             <a:endParaRPr lang="en-US"/>
           </a:p>
@@ -1245,7 +1244,7 @@
           <a:p>
             <a:fld id="{A76116CE-C4A3-4A05-B2D7-7C2E9A889C0F}" type="datetimeFigureOut">
               <a:rPr lang="en-US" smtClean="0"/>
-              <a:t>12/13/2021</a:t>
+              <a:t>12/14/2021</a:t>
             </a:fld>
             <a:endParaRPr lang="en-US"/>
           </a:p>
@@ -1485,7 +1484,7 @@
           <a:p>
             <a:fld id="{A76116CE-C4A3-4A05-B2D7-7C2E9A889C0F}" type="datetimeFigureOut">
               <a:rPr lang="en-US" smtClean="0"/>
-              <a:t>12/13/2021</a:t>
+              <a:t>12/14/2021</a:t>
             </a:fld>
             <a:endParaRPr lang="en-US"/>
           </a:p>
@@ -1765,7 +1764,7 @@
           <a:p>
             <a:fld id="{A76116CE-C4A3-4A05-B2D7-7C2E9A889C0F}" type="datetimeFigureOut">
               <a:rPr lang="en-US" smtClean="0"/>
-              <a:t>12/13/2021</a:t>
+              <a:t>12/14/2021</a:t>
             </a:fld>
             <a:endParaRPr lang="en-US"/>
           </a:p>
@@ -2179,7 +2178,7 @@
           <a:p>
             <a:fld id="{A76116CE-C4A3-4A05-B2D7-7C2E9A889C0F}" type="datetimeFigureOut">
               <a:rPr lang="en-US" smtClean="0"/>
-              <a:t>12/13/2021</a:t>
+              <a:t>12/14/2021</a:t>
             </a:fld>
             <a:endParaRPr lang="en-US"/>
           </a:p>
@@ -2291,7 +2290,7 @@
           <a:p>
             <a:fld id="{A76116CE-C4A3-4A05-B2D7-7C2E9A889C0F}" type="datetimeFigureOut">
               <a:rPr lang="en-US" smtClean="0"/>
-              <a:t>12/13/2021</a:t>
+              <a:t>12/14/2021</a:t>
             </a:fld>
             <a:endParaRPr lang="en-US"/>
           </a:p>
@@ -2381,7 +2380,7 @@
           <a:p>
             <a:fld id="{A76116CE-C4A3-4A05-B2D7-7C2E9A889C0F}" type="datetimeFigureOut">
               <a:rPr lang="en-US" smtClean="0"/>
-              <a:t>12/13/2021</a:t>
+              <a:t>12/14/2021</a:t>
             </a:fld>
             <a:endParaRPr lang="en-US"/>
           </a:p>
@@ -2651,7 +2650,7 @@
           <a:p>
             <a:fld id="{A76116CE-C4A3-4A05-B2D7-7C2E9A889C0F}" type="datetimeFigureOut">
               <a:rPr lang="en-US" smtClean="0"/>
-              <a:t>12/13/2021</a:t>
+              <a:t>12/14/2021</a:t>
             </a:fld>
             <a:endParaRPr lang="en-US"/>
           </a:p>
@@ -2898,7 +2897,7 @@
           <a:p>
             <a:fld id="{A76116CE-C4A3-4A05-B2D7-7C2E9A889C0F}" type="datetimeFigureOut">
               <a:rPr lang="en-US" smtClean="0"/>
-              <a:t>12/13/2021</a:t>
+              <a:t>12/14/2021</a:t>
             </a:fld>
             <a:endParaRPr lang="en-US"/>
           </a:p>
@@ -3104,7 +3103,7 @@
           <a:p>
             <a:fld id="{F8166F1F-CE9B-4651-A6AA-CD717754106B}" type="datetimeFigureOut">
               <a:rPr lang="en-US" smtClean="0"/>
-              <a:t>12/13/2021</a:t>
+              <a:t>12/14/2021</a:t>
             </a:fld>
             <a:endParaRPr lang="en-US"/>
           </a:p>
@@ -4338,519 +4337,6 @@
 
 <file path=ppt/slides/slide2.xml><?xml version="1.0" encoding="utf-8"?>
 <p:sld xmlns:a="http://schemas.openxmlformats.org/drawingml/2006/main" xmlns:r="http://schemas.openxmlformats.org/officeDocument/2006/relationships" xmlns:p="http://schemas.openxmlformats.org/presentationml/2006/main">
-  <p:cSld name="Slide 2">
-    <p:bg>
-      <p:bgPr>
-        <a:solidFill>
-          <a:srgbClr val="77D6C9"/>
-        </a:solidFill>
-        <a:effectLst/>
-      </p:bgPr>
-    </p:bg>
-    <p:spTree>
-      <p:nvGrpSpPr>
-        <p:cNvPr id="1" name=""/>
-        <p:cNvGrpSpPr/>
-        <p:nvPr/>
-      </p:nvGrpSpPr>
-      <p:grpSpPr>
-        <a:xfrm>
-          <a:off x="0" y="0"/>
-          <a:ext cx="0" cy="0"/>
-          <a:chOff x="0" y="0"/>
-          <a:chExt cx="0" cy="0"/>
-        </a:xfrm>
-      </p:grpSpPr>
-      <p:grpSp>
-        <p:nvGrpSpPr>
-          <p:cNvPr id="1001" name="그룹 1001"/>
-          <p:cNvGrpSpPr/>
-          <p:nvPr/>
-        </p:nvGrpSpPr>
-        <p:grpSpPr>
-          <a:xfrm>
-            <a:off x="470888" y="477321"/>
-            <a:ext cx="17343938" cy="9331072"/>
-            <a:chOff x="470888" y="477321"/>
-            <a:chExt cx="17343938" cy="9331072"/>
-          </a:xfrm>
-        </p:grpSpPr>
-        <p:pic>
-          <p:nvPicPr>
-            <p:cNvPr id="3" name="Object 2"/>
-            <p:cNvPicPr>
-              <a:picLocks noChangeAspect="1"/>
-            </p:cNvPicPr>
-            <p:nvPr/>
-          </p:nvPicPr>
-          <p:blipFill>
-            <a:blip r:embed="rId2" cstate="print"/>
-            <a:stretch>
-              <a:fillRect/>
-            </a:stretch>
-          </p:blipFill>
-          <p:spPr>
-            <a:xfrm>
-              <a:off x="470888" y="477321"/>
-              <a:ext cx="17343938" cy="9331072"/>
-            </a:xfrm>
-            <a:prstGeom prst="rect">
-              <a:avLst/>
-            </a:prstGeom>
-          </p:spPr>
-        </p:pic>
-      </p:grpSp>
-      <p:pic>
-        <p:nvPicPr>
-          <p:cNvPr id="5" name="Object 4"/>
-          <p:cNvPicPr>
-            <a:picLocks noChangeAspect="1"/>
-          </p:cNvPicPr>
-          <p:nvPr/>
-        </p:nvPicPr>
-        <p:blipFill>
-          <a:blip r:embed="rId3" cstate="print"/>
-          <a:stretch>
-            <a:fillRect/>
-          </a:stretch>
-        </p:blipFill>
-        <p:spPr>
-          <a:xfrm>
-            <a:off x="1409200" y="3160478"/>
-            <a:ext cx="5532122" cy="3577991"/>
-          </a:xfrm>
-          <a:prstGeom prst="rect">
-            <a:avLst/>
-          </a:prstGeom>
-        </p:spPr>
-      </p:pic>
-      <p:grpSp>
-        <p:nvGrpSpPr>
-          <p:cNvPr id="1002" name="그룹 1002"/>
-          <p:cNvGrpSpPr/>
-          <p:nvPr/>
-        </p:nvGrpSpPr>
-        <p:grpSpPr>
-          <a:xfrm>
-            <a:off x="15688210" y="1183507"/>
-            <a:ext cx="982537" cy="1684432"/>
-            <a:chOff x="15688210" y="1183507"/>
-            <a:chExt cx="982537" cy="1684432"/>
-          </a:xfrm>
-        </p:grpSpPr>
-        <p:pic>
-          <p:nvPicPr>
-            <p:cNvPr id="7" name="Object 6"/>
-            <p:cNvPicPr>
-              <a:picLocks noChangeAspect="1"/>
-            </p:cNvPicPr>
-            <p:nvPr/>
-          </p:nvPicPr>
-          <p:blipFill>
-            <a:blip r:embed="rId4" cstate="print"/>
-            <a:stretch>
-              <a:fillRect/>
-            </a:stretch>
-          </p:blipFill>
-          <p:spPr>
-            <a:xfrm>
-              <a:off x="15688210" y="1183507"/>
-              <a:ext cx="982537" cy="1684432"/>
-            </a:xfrm>
-            <a:prstGeom prst="rect">
-              <a:avLst/>
-            </a:prstGeom>
-          </p:spPr>
-        </p:pic>
-      </p:grpSp>
-      <p:grpSp>
-        <p:nvGrpSpPr>
-          <p:cNvPr id="1003" name="그룹 1003"/>
-          <p:cNvGrpSpPr/>
-          <p:nvPr/>
-        </p:nvGrpSpPr>
-        <p:grpSpPr>
-          <a:xfrm>
-            <a:off x="8374893" y="5308090"/>
-            <a:ext cx="7051699" cy="938623"/>
-            <a:chOff x="8374893" y="5308090"/>
-            <a:chExt cx="7051699" cy="938623"/>
-          </a:xfrm>
-        </p:grpSpPr>
-        <p:pic>
-          <p:nvPicPr>
-            <p:cNvPr id="10" name="Object 9"/>
-            <p:cNvPicPr>
-              <a:picLocks noChangeAspect="1"/>
-            </p:cNvPicPr>
-            <p:nvPr/>
-          </p:nvPicPr>
-          <p:blipFill>
-            <a:blip r:embed="rId5" cstate="print"/>
-            <a:stretch>
-              <a:fillRect/>
-            </a:stretch>
-          </p:blipFill>
-          <p:spPr>
-            <a:xfrm>
-              <a:off x="8278766" y="5211962"/>
-              <a:ext cx="1196185" cy="1281697"/>
-            </a:xfrm>
-            <a:prstGeom prst="rect">
-              <a:avLst/>
-            </a:prstGeom>
-          </p:spPr>
-        </p:pic>
-        <p:pic>
-          <p:nvPicPr>
-            <p:cNvPr id="11" name="Object 10"/>
-            <p:cNvPicPr>
-              <a:picLocks noChangeAspect="1"/>
-            </p:cNvPicPr>
-            <p:nvPr/>
-          </p:nvPicPr>
-          <p:blipFill>
-            <a:blip r:embed="rId6" cstate="print"/>
-            <a:stretch>
-              <a:fillRect/>
-            </a:stretch>
-          </p:blipFill>
-          <p:spPr>
-            <a:xfrm>
-              <a:off x="12114362" y="5211962"/>
-              <a:ext cx="1234635" cy="1281697"/>
-            </a:xfrm>
-            <a:prstGeom prst="rect">
-              <a:avLst/>
-            </a:prstGeom>
-          </p:spPr>
-        </p:pic>
-        <p:grpSp>
-          <p:nvGrpSpPr>
-            <p:cNvPr id="1004" name="그룹 1004"/>
-            <p:cNvGrpSpPr/>
-            <p:nvPr/>
-          </p:nvGrpSpPr>
-          <p:grpSpPr>
-            <a:xfrm>
-              <a:off x="12242935" y="6085554"/>
-              <a:ext cx="3183657" cy="161159"/>
-              <a:chOff x="12242935" y="6085554"/>
-              <a:chExt cx="3183657" cy="161159"/>
-            </a:xfrm>
-          </p:grpSpPr>
-          <p:pic>
-            <p:nvPicPr>
-              <p:cNvPr id="13" name="Object 12"/>
-              <p:cNvPicPr>
-                <a:picLocks noChangeAspect="1"/>
-              </p:cNvPicPr>
-              <p:nvPr/>
-            </p:nvPicPr>
-            <p:blipFill>
-              <a:blip r:embed="rId7" cstate="print"/>
-              <a:stretch>
-                <a:fillRect/>
-              </a:stretch>
-            </p:blipFill>
-            <p:spPr>
-              <a:xfrm>
-                <a:off x="12242935" y="6085554"/>
-                <a:ext cx="3183657" cy="161159"/>
-              </a:xfrm>
-              <a:prstGeom prst="rect">
-                <a:avLst/>
-              </a:prstGeom>
-            </p:spPr>
-          </p:pic>
-        </p:grpSp>
-        <p:grpSp>
-          <p:nvGrpSpPr>
-            <p:cNvPr id="1005" name="그룹 1005"/>
-            <p:cNvGrpSpPr/>
-            <p:nvPr/>
-          </p:nvGrpSpPr>
-          <p:grpSpPr>
-            <a:xfrm>
-              <a:off x="8374893" y="6085554"/>
-              <a:ext cx="3183657" cy="161159"/>
-              <a:chOff x="8374893" y="6085554"/>
-              <a:chExt cx="3183657" cy="161159"/>
-            </a:xfrm>
-          </p:grpSpPr>
-          <p:pic>
-            <p:nvPicPr>
-              <p:cNvPr id="16" name="Object 15"/>
-              <p:cNvPicPr>
-                <a:picLocks noChangeAspect="1"/>
-              </p:cNvPicPr>
-              <p:nvPr/>
-            </p:nvPicPr>
-            <p:blipFill>
-              <a:blip r:embed="rId7" cstate="print"/>
-              <a:stretch>
-                <a:fillRect/>
-              </a:stretch>
-            </p:blipFill>
-            <p:spPr>
-              <a:xfrm>
-                <a:off x="8374893" y="6085554"/>
-                <a:ext cx="3183657" cy="161159"/>
-              </a:xfrm>
-              <a:prstGeom prst="rect">
-                <a:avLst/>
-              </a:prstGeom>
-            </p:spPr>
-          </p:pic>
-        </p:grpSp>
-        <p:pic>
-          <p:nvPicPr>
-            <p:cNvPr id="18" name="Object 17"/>
-            <p:cNvPicPr>
-              <a:picLocks noChangeAspect="1"/>
-            </p:cNvPicPr>
-            <p:nvPr/>
-          </p:nvPicPr>
-          <p:blipFill>
-            <a:blip r:embed="rId8" cstate="print"/>
-            <a:stretch>
-              <a:fillRect/>
-            </a:stretch>
-          </p:blipFill>
-          <p:spPr>
-            <a:xfrm>
-              <a:off x="9133150" y="5546064"/>
-              <a:ext cx="2565527" cy="579265"/>
-            </a:xfrm>
-            <a:prstGeom prst="rect">
-              <a:avLst/>
-            </a:prstGeom>
-          </p:spPr>
-        </p:pic>
-        <p:pic>
-          <p:nvPicPr>
-            <p:cNvPr id="19" name="Object 18"/>
-            <p:cNvPicPr>
-              <a:picLocks noChangeAspect="1"/>
-            </p:cNvPicPr>
-            <p:nvPr/>
-          </p:nvPicPr>
-          <p:blipFill>
-            <a:blip r:embed="rId9" cstate="print"/>
-            <a:stretch>
-              <a:fillRect/>
-            </a:stretch>
-          </p:blipFill>
-          <p:spPr>
-            <a:xfrm>
-              <a:off x="12982579" y="5546064"/>
-              <a:ext cx="2565527" cy="579265"/>
-            </a:xfrm>
-            <a:prstGeom prst="rect">
-              <a:avLst/>
-            </a:prstGeom>
-          </p:spPr>
-        </p:pic>
-      </p:grpSp>
-      <p:grpSp>
-        <p:nvGrpSpPr>
-          <p:cNvPr id="1006" name="그룹 1006"/>
-          <p:cNvGrpSpPr/>
-          <p:nvPr/>
-        </p:nvGrpSpPr>
-        <p:grpSpPr>
-          <a:xfrm>
-            <a:off x="8374893" y="7155482"/>
-            <a:ext cx="7051699" cy="938623"/>
-            <a:chOff x="8374893" y="7155482"/>
-            <a:chExt cx="7051699" cy="938623"/>
-          </a:xfrm>
-        </p:grpSpPr>
-        <p:pic>
-          <p:nvPicPr>
-            <p:cNvPr id="22" name="Object 21"/>
-            <p:cNvPicPr>
-              <a:picLocks noChangeAspect="1"/>
-            </p:cNvPicPr>
-            <p:nvPr/>
-          </p:nvPicPr>
-          <p:blipFill>
-            <a:blip r:embed="rId10" cstate="print"/>
-            <a:stretch>
-              <a:fillRect/>
-            </a:stretch>
-          </p:blipFill>
-          <p:spPr>
-            <a:xfrm>
-              <a:off x="8278766" y="7059355"/>
-              <a:ext cx="1234635" cy="1281697"/>
-            </a:xfrm>
-            <a:prstGeom prst="rect">
-              <a:avLst/>
-            </a:prstGeom>
-          </p:spPr>
-        </p:pic>
-        <p:pic>
-          <p:nvPicPr>
-            <p:cNvPr id="23" name="Object 22"/>
-            <p:cNvPicPr>
-              <a:picLocks noChangeAspect="1"/>
-            </p:cNvPicPr>
-            <p:nvPr/>
-          </p:nvPicPr>
-          <p:blipFill>
-            <a:blip r:embed="rId11" cstate="print"/>
-            <a:stretch>
-              <a:fillRect/>
-            </a:stretch>
-          </p:blipFill>
-          <p:spPr>
-            <a:xfrm>
-              <a:off x="12114362" y="7059355"/>
-              <a:ext cx="1251938" cy="1281697"/>
-            </a:xfrm>
-            <a:prstGeom prst="rect">
-              <a:avLst/>
-            </a:prstGeom>
-          </p:spPr>
-        </p:pic>
-        <p:grpSp>
-          <p:nvGrpSpPr>
-            <p:cNvPr id="1007" name="그룹 1007"/>
-            <p:cNvGrpSpPr/>
-            <p:nvPr/>
-          </p:nvGrpSpPr>
-          <p:grpSpPr>
-            <a:xfrm>
-              <a:off x="12242935" y="7932947"/>
-              <a:ext cx="3183657" cy="161159"/>
-              <a:chOff x="12242935" y="7932947"/>
-              <a:chExt cx="3183657" cy="161159"/>
-            </a:xfrm>
-          </p:grpSpPr>
-          <p:pic>
-            <p:nvPicPr>
-              <p:cNvPr id="25" name="Object 24"/>
-              <p:cNvPicPr>
-                <a:picLocks noChangeAspect="1"/>
-              </p:cNvPicPr>
-              <p:nvPr/>
-            </p:nvPicPr>
-            <p:blipFill>
-              <a:blip r:embed="rId7" cstate="print"/>
-              <a:stretch>
-                <a:fillRect/>
-              </a:stretch>
-            </p:blipFill>
-            <p:spPr>
-              <a:xfrm>
-                <a:off x="12242935" y="7932947"/>
-                <a:ext cx="3183657" cy="161159"/>
-              </a:xfrm>
-              <a:prstGeom prst="rect">
-                <a:avLst/>
-              </a:prstGeom>
-            </p:spPr>
-          </p:pic>
-        </p:grpSp>
-        <p:grpSp>
-          <p:nvGrpSpPr>
-            <p:cNvPr id="1008" name="그룹 1008"/>
-            <p:cNvGrpSpPr/>
-            <p:nvPr/>
-          </p:nvGrpSpPr>
-          <p:grpSpPr>
-            <a:xfrm>
-              <a:off x="8374893" y="7932947"/>
-              <a:ext cx="3183657" cy="161159"/>
-              <a:chOff x="8374893" y="7932947"/>
-              <a:chExt cx="3183657" cy="161159"/>
-            </a:xfrm>
-          </p:grpSpPr>
-          <p:pic>
-            <p:nvPicPr>
-              <p:cNvPr id="28" name="Object 27"/>
-              <p:cNvPicPr>
-                <a:picLocks noChangeAspect="1"/>
-              </p:cNvPicPr>
-              <p:nvPr/>
-            </p:nvPicPr>
-            <p:blipFill>
-              <a:blip r:embed="rId7" cstate="print"/>
-              <a:stretch>
-                <a:fillRect/>
-              </a:stretch>
-            </p:blipFill>
-            <p:spPr>
-              <a:xfrm>
-                <a:off x="8374893" y="7932947"/>
-                <a:ext cx="3183657" cy="161159"/>
-              </a:xfrm>
-              <a:prstGeom prst="rect">
-                <a:avLst/>
-              </a:prstGeom>
-            </p:spPr>
-          </p:pic>
-        </p:grpSp>
-        <p:pic>
-          <p:nvPicPr>
-            <p:cNvPr id="30" name="Object 29"/>
-            <p:cNvPicPr>
-              <a:picLocks noChangeAspect="1"/>
-            </p:cNvPicPr>
-            <p:nvPr/>
-          </p:nvPicPr>
-          <p:blipFill>
-            <a:blip r:embed="rId12" cstate="print"/>
-            <a:stretch>
-              <a:fillRect/>
-            </a:stretch>
-          </p:blipFill>
-          <p:spPr>
-            <a:xfrm>
-              <a:off x="9133150" y="7407261"/>
-              <a:ext cx="2826572" cy="565455"/>
-            </a:xfrm>
-            <a:prstGeom prst="rect">
-              <a:avLst/>
-            </a:prstGeom>
-          </p:spPr>
-        </p:pic>
-        <p:pic>
-          <p:nvPicPr>
-            <p:cNvPr id="31" name="Object 30"/>
-            <p:cNvPicPr>
-              <a:picLocks noChangeAspect="1"/>
-            </p:cNvPicPr>
-            <p:nvPr/>
-          </p:nvPicPr>
-          <p:blipFill>
-            <a:blip r:embed="rId13" cstate="print"/>
-            <a:stretch>
-              <a:fillRect/>
-            </a:stretch>
-          </p:blipFill>
-          <p:spPr>
-            <a:xfrm>
-              <a:off x="12982579" y="7407224"/>
-              <a:ext cx="2558741" cy="565496"/>
-            </a:xfrm>
-            <a:prstGeom prst="rect">
-              <a:avLst/>
-            </a:prstGeom>
-          </p:spPr>
-        </p:pic>
-      </p:grpSp>
-    </p:spTree>
-  </p:cSld>
-  <p:clrMapOvr>
-    <a:masterClrMapping/>
-  </p:clrMapOvr>
-</p:sld>
-</file>
-
-<file path=ppt/slides/slide3.xml><?xml version="1.0" encoding="utf-8"?>
-<p:sld xmlns:a="http://schemas.openxmlformats.org/drawingml/2006/main" xmlns:r="http://schemas.openxmlformats.org/officeDocument/2006/relationships" xmlns:p="http://schemas.openxmlformats.org/presentationml/2006/main">
   <p:cSld name="Slide 3">
     <p:bg>
       <p:bgPr>
@@ -6629,7 +6115,7 @@
 </p:sld>
 </file>
 
-<file path=ppt/slides/slide4.xml><?xml version="1.0" encoding="utf-8"?>
+<file path=ppt/slides/slide3.xml><?xml version="1.0" encoding="utf-8"?>
 <p:sld xmlns:a="http://schemas.openxmlformats.org/drawingml/2006/main" xmlns:r="http://schemas.openxmlformats.org/officeDocument/2006/relationships" xmlns:p="http://schemas.openxmlformats.org/presentationml/2006/main">
   <p:cSld>
     <p:bg>
@@ -7279,7 +6765,7 @@
 </p:sld>
 </file>
 
-<file path=ppt/slides/slide5.xml><?xml version="1.0" encoding="utf-8"?>
+<file path=ppt/slides/slide4.xml><?xml version="1.0" encoding="utf-8"?>
 <p:sld xmlns:a="http://schemas.openxmlformats.org/drawingml/2006/main" xmlns:r="http://schemas.openxmlformats.org/officeDocument/2006/relationships" xmlns:p="http://schemas.openxmlformats.org/presentationml/2006/main">
   <p:cSld>
     <p:bg>
@@ -8360,7 +7846,7 @@
 </p:sld>
 </file>
 
-<file path=ppt/slides/slide6.xml><?xml version="1.0" encoding="utf-8"?>
+<file path=ppt/slides/slide5.xml><?xml version="1.0" encoding="utf-8"?>
 <p:sld xmlns:a="http://schemas.openxmlformats.org/drawingml/2006/main" xmlns:r="http://schemas.openxmlformats.org/officeDocument/2006/relationships" xmlns:p="http://schemas.openxmlformats.org/presentationml/2006/main">
   <p:cSld>
     <p:bg>
@@ -8597,7 +8083,7 @@
 </p:sld>
 </file>
 
-<file path=ppt/slides/slide7.xml><?xml version="1.0" encoding="utf-8"?>
+<file path=ppt/slides/slide6.xml><?xml version="1.0" encoding="utf-8"?>
 <p:sld xmlns:a="http://schemas.openxmlformats.org/drawingml/2006/main" xmlns:r="http://schemas.openxmlformats.org/officeDocument/2006/relationships" xmlns:p="http://schemas.openxmlformats.org/presentationml/2006/main">
   <p:cSld>
     <p:bg>
